--- a/Front-End/React/React 시작하기.pptx
+++ b/Front-End/React/React 시작하기.pptx
@@ -5,10 +5,10 @@
     <p:sldMasterId id="2147483659" r:id="rId1"/>
   </p:sldMasterIdLst>
   <p:notesMasterIdLst>
-    <p:notesMasterId r:id="rId20"/>
+    <p:notesMasterId r:id="rId21"/>
   </p:notesMasterIdLst>
   <p:handoutMasterIdLst>
-    <p:handoutMasterId r:id="rId21"/>
+    <p:handoutMasterId r:id="rId22"/>
   </p:handoutMasterIdLst>
   <p:sldIdLst>
     <p:sldId id="615" r:id="rId2"/>
@@ -21,14 +21,15 @@
     <p:sldId id="1124" r:id="rId9"/>
     <p:sldId id="1150" r:id="rId10"/>
     <p:sldId id="1139" r:id="rId11"/>
-    <p:sldId id="1129" r:id="rId12"/>
-    <p:sldId id="1130" r:id="rId13"/>
-    <p:sldId id="1131" r:id="rId14"/>
-    <p:sldId id="1132" r:id="rId15"/>
-    <p:sldId id="1133" r:id="rId16"/>
-    <p:sldId id="1136" r:id="rId17"/>
-    <p:sldId id="1137" r:id="rId18"/>
-    <p:sldId id="1151" r:id="rId19"/>
+    <p:sldId id="1155" r:id="rId12"/>
+    <p:sldId id="1129" r:id="rId13"/>
+    <p:sldId id="1130" r:id="rId14"/>
+    <p:sldId id="1131" r:id="rId15"/>
+    <p:sldId id="1132" r:id="rId16"/>
+    <p:sldId id="1133" r:id="rId17"/>
+    <p:sldId id="1136" r:id="rId18"/>
+    <p:sldId id="1137" r:id="rId19"/>
+    <p:sldId id="1151" r:id="rId20"/>
   </p:sldIdLst>
   <p:sldSz cx="9144000" cy="6858000" type="screen4x3"/>
   <p:notesSz cx="6865938" cy="9998075"/>
@@ -261,7 +262,7 @@
           <a:p>
             <a:fld id="{0701E38F-D71B-4628-B377-F26FA834EB07}" type="datetimeFigureOut">
               <a:rPr lang="ko-KR" altLang="en-US" smtClean="0"/>
-              <a:t>2022-12-07</a:t>
+              <a:t>2022-12-16</a:t>
             </a:fld>
             <a:endParaRPr lang="ko-KR" altLang="en-US"/>
           </a:p>
@@ -427,7 +428,7 @@
             <a:fld id="{BC75A1C1-99F9-4ED1-B968-97F8F766565C}" type="datetimeFigureOut">
               <a:rPr lang="ko-KR" altLang="en-US" smtClean="0"/>
               <a:pPr/>
-              <a:t>2022-12-07</a:t>
+              <a:t>2022-12-16</a:t>
             </a:fld>
             <a:endParaRPr lang="ko-KR" altLang="en-US"/>
           </a:p>
@@ -2709,7 +2710,7 @@
               </a:rPr>
               <a:t>serve -l 5000 -s build</a:t>
             </a:r>
-            <a:endParaRPr lang="en-US" altLang="ko-KR" sz="2000" dirty="0" smtClean="0">
+            <a:endParaRPr lang="en-US" altLang="ko-KR" sz="1600" dirty="0" smtClean="0">
               <a:solidFill>
                 <a:srgbClr val="FF0000"/>
               </a:solidFill>
@@ -2807,7 +2808,23 @@
                   <a:srgbClr val="FF0000"/>
                 </a:solidFill>
               </a:rPr>
-              <a:t>set PORT=4000 &amp;&amp; react-scripts start</a:t>
+              <a:t>set </a:t>
+            </a:r>
+            <a:r>
+              <a:rPr lang="en-US" altLang="ko-KR" sz="1200" dirty="0" smtClean="0">
+                <a:solidFill>
+                  <a:srgbClr val="FF0000"/>
+                </a:solidFill>
+              </a:rPr>
+              <a:t>PORT=10000 </a:t>
+            </a:r>
+            <a:r>
+              <a:rPr lang="en-US" altLang="ko-KR" sz="1200" dirty="0" smtClean="0">
+                <a:solidFill>
+                  <a:srgbClr val="FF0000"/>
+                </a:solidFill>
+              </a:rPr>
+              <a:t>&amp;&amp; react-scripts start</a:t>
             </a:r>
             <a:r>
               <a:rPr lang="en-US" altLang="ko-KR" sz="1200" dirty="0" smtClean="0">
@@ -2990,18 +3007,11 @@
           <a:lstStyle/>
           <a:p>
             <a:r>
-              <a:rPr lang="en-US" altLang="ko-KR" sz="2400" dirty="0" smtClean="0">
-                <a:latin typeface="HY헤드라인M" pitchFamily="18" charset="-127"/>
-                <a:ea typeface="HY헤드라인M" pitchFamily="18" charset="-127"/>
-              </a:rPr>
-              <a:t>GitHub </a:t>
-            </a:r>
-            <a:r>
               <a:rPr lang="ko-KR" altLang="en-US" sz="2400" dirty="0" smtClean="0">
                 <a:latin typeface="HY헤드라인M" pitchFamily="18" charset="-127"/>
                 <a:ea typeface="HY헤드라인M" pitchFamily="18" charset="-127"/>
               </a:rPr>
-              <a:t>연결</a:t>
+              <a:t>포터 변경</a:t>
             </a:r>
             <a:endParaRPr lang="ko-KR" altLang="en-US" sz="2400" dirty="0">
               <a:latin typeface="HY헤드라인M" pitchFamily="18" charset="-127"/>
@@ -3084,19 +3094,18 @@
               <a:buChar char="Ø"/>
             </a:pPr>
             <a:r>
-              <a:rPr lang="ko-KR" altLang="en-US" sz="2000" dirty="0" smtClean="0">
+              <a:rPr lang="en-US" altLang="ko-KR" sz="2000" dirty="0" smtClean="0">
                 <a:solidFill>
                   <a:srgbClr val="0000FF"/>
                 </a:solidFill>
                 <a:latin typeface="+mn-ea"/>
               </a:rPr>
-              <a:t>절차</a:t>
-            </a:r>
-            <a:endParaRPr lang="en-US" altLang="ko-KR" sz="2000" dirty="0" smtClean="0">
-              <a:solidFill>
-                <a:srgbClr val="0000FF"/>
-              </a:solidFill>
-              <a:latin typeface="+mn-ea"/>
+              <a:t>NPM</a:t>
+            </a:r>
+            <a:endParaRPr lang="en-US" altLang="ko-KR" sz="1600" b="1" dirty="0" smtClean="0">
+              <a:solidFill>
+                <a:schemeClr val="tx1"/>
+              </a:solidFill>
             </a:endParaRPr>
           </a:p>
           <a:p>
@@ -3108,18 +3117,37 @@
               <a:buChar char="•"/>
             </a:pPr>
             <a:r>
-              <a:rPr lang="en-US" altLang="ko-KR" sz="1600" dirty="0" err="1" smtClean="0"/>
-              <a:t>git</a:t>
-            </a:r>
-            <a:r>
-              <a:rPr lang="en-US" altLang="ko-KR" sz="1600" dirty="0" smtClean="0"/>
-              <a:t> </a:t>
-            </a:r>
-            <a:r>
-              <a:rPr lang="en-US" altLang="ko-KR" sz="1600" dirty="0" err="1" smtClean="0"/>
-              <a:t>init</a:t>
-            </a:r>
-            <a:endParaRPr lang="en-US" altLang="ko-KR" sz="1600" dirty="0" smtClean="0"/>
+              <a:rPr lang="en-US" altLang="ko-KR" sz="1400" dirty="0">
+                <a:solidFill>
+                  <a:schemeClr val="tx1"/>
+                </a:solidFill>
+              </a:rPr>
+              <a:t>PORT=10000 </a:t>
+            </a:r>
+            <a:r>
+              <a:rPr lang="en-US" altLang="ko-KR" sz="1400" dirty="0" err="1">
+                <a:solidFill>
+                  <a:schemeClr val="tx1"/>
+                </a:solidFill>
+              </a:rPr>
+              <a:t>npm</a:t>
+            </a:r>
+            <a:r>
+              <a:rPr lang="en-US" altLang="ko-KR" sz="1400" dirty="0">
+                <a:solidFill>
+                  <a:schemeClr val="tx1"/>
+                </a:solidFill>
+              </a:rPr>
+              <a:t> run start (Change Port</a:t>
+            </a:r>
+            <a:r>
+              <a:rPr lang="en-US" altLang="ko-KR" sz="1400" dirty="0" smtClean="0">
+                <a:solidFill>
+                  <a:schemeClr val="tx1"/>
+                </a:solidFill>
+              </a:rPr>
+              <a:t>)</a:t>
+            </a:r>
           </a:p>
           <a:p>
             <a:pPr marL="742950" lvl="1" indent="-285750" latinLnBrk="0">
@@ -3129,22 +3157,11 @@
               <a:buFont typeface="Arial" panose="020B0604020202020204" pitchFamily="34" charset="0"/>
               <a:buChar char="•"/>
             </a:pPr>
-            <a:r>
-              <a:rPr lang="en-US" altLang="ko-KR" sz="1600" dirty="0" err="1">
-                <a:solidFill>
-                  <a:schemeClr val="tx1"/>
-                </a:solidFill>
-              </a:rPr>
-              <a:t>git</a:t>
-            </a:r>
-            <a:r>
-              <a:rPr lang="en-US" altLang="ko-KR" sz="1600" dirty="0">
-                <a:solidFill>
-                  <a:schemeClr val="tx1"/>
-                </a:solidFill>
-              </a:rPr>
-              <a:t> remote add origin https://github.com/jsh-1235/react_study.git</a:t>
-            </a:r>
+            <a:endParaRPr lang="en-US" altLang="ko-KR" sz="1400" dirty="0" smtClean="0">
+              <a:solidFill>
+                <a:srgbClr val="FF0000"/>
+              </a:solidFill>
+            </a:endParaRPr>
           </a:p>
           <a:p>
             <a:pPr marL="742950" lvl="1" indent="-285750" latinLnBrk="0">
@@ -3155,13 +3172,83 @@
               <a:buChar char="•"/>
             </a:pPr>
             <a:r>
-              <a:rPr lang="en-US" altLang="ko-KR" sz="1600" dirty="0" err="1" smtClean="0"/>
-              <a:t>git</a:t>
-            </a:r>
-            <a:r>
-              <a:rPr lang="en-US" altLang="ko-KR" sz="1600" dirty="0" smtClean="0"/>
-              <a:t> add .</a:t>
-            </a:r>
+              <a:rPr lang="en-US" altLang="ko-KR" sz="1400" dirty="0" err="1" smtClean="0">
+                <a:solidFill>
+                  <a:schemeClr val="tx1"/>
+                </a:solidFill>
+              </a:rPr>
+              <a:t>package.json</a:t>
+            </a:r>
+            <a:endParaRPr lang="en-US" altLang="ko-KR" sz="1400" dirty="0">
+              <a:solidFill>
+                <a:schemeClr val="tx1"/>
+              </a:solidFill>
+            </a:endParaRPr>
+          </a:p>
+          <a:p>
+            <a:pPr lvl="2" latinLnBrk="0">
+              <a:lnSpc>
+                <a:spcPct val="150000"/>
+              </a:lnSpc>
+            </a:pPr>
+            <a:r>
+              <a:rPr lang="en-US" altLang="ko-KR" sz="1100" dirty="0">
+                <a:solidFill>
+                  <a:srgbClr val="3333FF"/>
+                </a:solidFill>
+              </a:rPr>
+              <a:t>"scripts": {</a:t>
+            </a:r>
+          </a:p>
+          <a:p>
+            <a:pPr lvl="2" latinLnBrk="0">
+              <a:lnSpc>
+                <a:spcPct val="150000"/>
+              </a:lnSpc>
+            </a:pPr>
+            <a:r>
+              <a:rPr lang="en-US" altLang="ko-KR" sz="1100" dirty="0">
+                <a:solidFill>
+                  <a:srgbClr val="3333FF"/>
+                </a:solidFill>
+              </a:rPr>
+              <a:t>    "start": "set PORT=10000 &amp;&amp; react-scripts start</a:t>
+            </a:r>
+            <a:r>
+              <a:rPr lang="en-US" altLang="ko-KR" sz="1100" dirty="0" smtClean="0">
+                <a:solidFill>
+                  <a:srgbClr val="3333FF"/>
+                </a:solidFill>
+              </a:rPr>
+              <a:t>",</a:t>
+            </a:r>
+          </a:p>
+          <a:p>
+            <a:pPr lvl="2" latinLnBrk="0">
+              <a:lnSpc>
+                <a:spcPct val="150000"/>
+              </a:lnSpc>
+            </a:pPr>
+            <a:r>
+              <a:rPr lang="en-US" altLang="ko-KR" sz="1100" dirty="0" smtClean="0">
+                <a:solidFill>
+                  <a:srgbClr val="3333FF"/>
+                </a:solidFill>
+              </a:rPr>
+              <a:t>}</a:t>
+            </a:r>
+          </a:p>
+          <a:p>
+            <a:pPr lvl="2" latinLnBrk="0">
+              <a:lnSpc>
+                <a:spcPct val="150000"/>
+              </a:lnSpc>
+            </a:pPr>
+            <a:endParaRPr lang="en-US" altLang="ko-KR" sz="1100" dirty="0" smtClean="0">
+              <a:solidFill>
+                <a:srgbClr val="FF0000"/>
+              </a:solidFill>
+            </a:endParaRPr>
           </a:p>
           <a:p>
             <a:pPr marL="742950" lvl="1" indent="-285750" latinLnBrk="0">
@@ -3172,38 +3259,49 @@
               <a:buChar char="•"/>
             </a:pPr>
             <a:r>
-              <a:rPr lang="en-US" altLang="ko-KR" sz="1600" dirty="0" err="1" smtClean="0"/>
-              <a:t>git</a:t>
-            </a:r>
-            <a:r>
-              <a:rPr lang="en-US" altLang="ko-KR" sz="1600" dirty="0" smtClean="0"/>
-              <a:t> state &amp; </a:t>
-            </a:r>
-            <a:r>
-              <a:rPr lang="en-US" altLang="ko-KR" sz="1600" dirty="0" err="1" smtClean="0"/>
-              <a:t>git</a:t>
-            </a:r>
-            <a:r>
-              <a:rPr lang="en-US" altLang="ko-KR" sz="1600" dirty="0" smtClean="0"/>
-              <a:t> diff</a:t>
-            </a:r>
-          </a:p>
-          <a:p>
-            <a:pPr marL="742950" lvl="1" indent="-285750" latinLnBrk="0">
+              <a:rPr lang="en-US" altLang="ko-KR" sz="1400" dirty="0" err="1" smtClean="0"/>
+              <a:t>node_modules</a:t>
+            </a:r>
+            <a:r>
+              <a:rPr lang="en-US" altLang="ko-KR" sz="1400" dirty="0" smtClean="0"/>
+              <a:t>/react-scripts/scripts/start.js </a:t>
+            </a:r>
+            <a:r>
+              <a:rPr lang="ko-KR" altLang="en-US" sz="1400" dirty="0" smtClean="0"/>
+              <a:t>파일 수정</a:t>
+            </a:r>
+            <a:endParaRPr lang="en-US" altLang="ko-KR" sz="1400" dirty="0" smtClean="0"/>
+          </a:p>
+          <a:p>
+            <a:pPr marL="1200150" lvl="2" indent="-285750" latinLnBrk="0">
+              <a:lnSpc>
+                <a:spcPct val="150000"/>
+              </a:lnSpc>
+              <a:buFont typeface="Wingdings" panose="05000000000000000000" pitchFamily="2" charset="2"/>
+              <a:buChar char="ü"/>
+            </a:pPr>
+            <a:r>
+              <a:rPr lang="fr-FR" altLang="ko-KR" sz="1200" dirty="0">
+                <a:solidFill>
+                  <a:srgbClr val="FF0000"/>
+                </a:solidFill>
+              </a:rPr>
+              <a:t>const DEFAULT_PORT = parseInt(process.env.PORT, 10) || 3000;</a:t>
+            </a:r>
+          </a:p>
+          <a:p>
+            <a:pPr marL="1200150" lvl="2" indent="-285750" latinLnBrk="0">
               <a:lnSpc>
                 <a:spcPct val="150000"/>
               </a:lnSpc>
               <a:buFont typeface="Arial" panose="020B0604020202020204" pitchFamily="34" charset="0"/>
               <a:buChar char="•"/>
             </a:pPr>
-            <a:r>
-              <a:rPr lang="en-US" altLang="ko-KR" sz="1600" dirty="0" err="1" smtClean="0"/>
-              <a:t>git</a:t>
-            </a:r>
-            <a:r>
-              <a:rPr lang="en-US" altLang="ko-KR" sz="1600" dirty="0" smtClean="0"/>
-              <a:t> commit –m “initial commit”</a:t>
-            </a:r>
+            <a:endParaRPr lang="en-US" altLang="ko-KR" sz="1400" dirty="0" smtClean="0">
+              <a:solidFill>
+                <a:srgbClr val="FF0000"/>
+              </a:solidFill>
+            </a:endParaRPr>
           </a:p>
           <a:p>
             <a:pPr marL="742950" lvl="1" indent="-285750" latinLnBrk="0">
@@ -3214,59 +3312,130 @@
               <a:buChar char="•"/>
             </a:pPr>
             <a:r>
-              <a:rPr lang="en-US" altLang="ko-KR" sz="1600" dirty="0" err="1" smtClean="0"/>
-              <a:t>git</a:t>
-            </a:r>
-            <a:r>
-              <a:rPr lang="en-US" altLang="ko-KR" sz="1600" dirty="0" smtClean="0"/>
+              <a:rPr lang="en-US" altLang="ko-KR" sz="1400" dirty="0" smtClean="0">
+                <a:solidFill>
+                  <a:schemeClr val="tx1"/>
+                </a:solidFill>
+              </a:rPr>
+              <a:t>.</a:t>
+            </a:r>
+            <a:r>
+              <a:rPr lang="en-US" altLang="ko-KR" sz="1400" dirty="0" err="1" smtClean="0">
+                <a:solidFill>
+                  <a:schemeClr val="tx1"/>
+                </a:solidFill>
+              </a:rPr>
+              <a:t>env</a:t>
+            </a:r>
+            <a:r>
+              <a:rPr lang="en-US" altLang="ko-KR" sz="1400" dirty="0" smtClean="0">
+                <a:solidFill>
+                  <a:schemeClr val="tx1"/>
+                </a:solidFill>
+              </a:rPr>
               <a:t> </a:t>
             </a:r>
             <a:r>
-              <a:rPr lang="en-US" altLang="ko-KR" sz="1600" dirty="0"/>
-              <a:t>push origin </a:t>
-            </a:r>
-            <a:r>
-              <a:rPr lang="en-US" altLang="ko-KR" sz="1600" dirty="0" smtClean="0"/>
-              <a:t>master</a:t>
-            </a:r>
-          </a:p>
-          <a:p>
-            <a:pPr marL="742950" lvl="1" indent="-285750" latinLnBrk="0">
+              <a:rPr lang="ko-KR" altLang="en-US" sz="1400" dirty="0" smtClean="0">
+                <a:solidFill>
+                  <a:schemeClr val="tx1"/>
+                </a:solidFill>
+              </a:rPr>
+              <a:t>파일 생성 및 수정</a:t>
+            </a:r>
+            <a:endParaRPr lang="en-US" altLang="ko-KR" sz="1400" dirty="0" smtClean="0">
+              <a:solidFill>
+                <a:schemeClr val="tx1"/>
+              </a:solidFill>
+            </a:endParaRPr>
+          </a:p>
+          <a:p>
+            <a:pPr marL="1200150" lvl="2" indent="-285750" latinLnBrk="0">
+              <a:lnSpc>
+                <a:spcPct val="150000"/>
+              </a:lnSpc>
+              <a:buFont typeface="Wingdings" panose="05000000000000000000" pitchFamily="2" charset="2"/>
+              <a:buChar char="ü"/>
+            </a:pPr>
+            <a:r>
+              <a:rPr lang="en-US" altLang="ko-KR" sz="1200" dirty="0" smtClean="0">
+                <a:solidFill>
+                  <a:srgbClr val="FF0000"/>
+                </a:solidFill>
+              </a:rPr>
+              <a:t>PORT=10000</a:t>
+            </a:r>
+          </a:p>
+          <a:p>
+            <a:pPr marL="1200150" lvl="2" indent="-285750" latinLnBrk="0">
               <a:lnSpc>
                 <a:spcPct val="150000"/>
               </a:lnSpc>
               <a:buFont typeface="Arial" panose="020B0604020202020204" pitchFamily="34" charset="0"/>
               <a:buChar char="•"/>
             </a:pPr>
-            <a:r>
-              <a:rPr lang="en-US" altLang="ko-KR" sz="1600" dirty="0" err="1" smtClean="0"/>
-              <a:t>git</a:t>
-            </a:r>
-            <a:r>
-              <a:rPr lang="en-US" altLang="ko-KR" sz="1600" dirty="0" smtClean="0"/>
-              <a:t> push --force --set-upstream origin master</a:t>
-            </a:r>
-            <a:r>
-              <a:rPr lang="en-US" altLang="ko-KR" sz="1600" dirty="0"/>
-              <a:t/>
-            </a:r>
-            <a:br>
-              <a:rPr lang="en-US" altLang="ko-KR" sz="1600" dirty="0"/>
-            </a:br>
-            <a:r>
-              <a:rPr lang="en-US" altLang="ko-KR" sz="1600" dirty="0" err="1" smtClean="0"/>
-              <a:t>git</a:t>
-            </a:r>
-            <a:r>
-              <a:rPr lang="en-US" altLang="ko-KR" sz="1600" dirty="0" smtClean="0"/>
-              <a:t> log</a:t>
-            </a:r>
-          </a:p>
-          <a:p>
-            <a:pPr lvl="1"/>
-            <a:endParaRPr kumimoji="0" lang="en-US" altLang="ko-KR" sz="1000" dirty="0" smtClean="0">
+            <a:endParaRPr lang="en-US" altLang="ko-KR" sz="1400" dirty="0" smtClean="0">
               <a:solidFill>
                 <a:schemeClr val="tx1"/>
+              </a:solidFill>
+            </a:endParaRPr>
+          </a:p>
+          <a:p>
+            <a:pPr marL="742950" lvl="1" indent="-285750" latinLnBrk="0">
+              <a:lnSpc>
+                <a:spcPct val="150000"/>
+              </a:lnSpc>
+              <a:buFont typeface="Arial" panose="020B0604020202020204" pitchFamily="34" charset="0"/>
+              <a:buChar char="•"/>
+            </a:pPr>
+            <a:r>
+              <a:rPr lang="en-US" altLang="ko-KR" sz="1400" dirty="0" smtClean="0">
+                <a:solidFill>
+                  <a:schemeClr val="tx1"/>
+                </a:solidFill>
+              </a:rPr>
+              <a:t>serve </a:t>
+            </a:r>
+            <a:r>
+              <a:rPr lang="en-US" altLang="ko-KR" sz="1400" dirty="0">
+                <a:solidFill>
+                  <a:schemeClr val="tx1"/>
+                </a:solidFill>
+              </a:rPr>
+              <a:t>-l 5000 -s build</a:t>
+            </a:r>
+            <a:endParaRPr lang="en-US" altLang="ko-KR" sz="1400" dirty="0">
+              <a:solidFill>
+                <a:schemeClr val="tx1"/>
+              </a:solidFill>
+              <a:latin typeface="+mn-ea"/>
+            </a:endParaRPr>
+          </a:p>
+          <a:p>
+            <a:pPr marL="742950" lvl="1" indent="-285750" latinLnBrk="0">
+              <a:lnSpc>
+                <a:spcPct val="150000"/>
+              </a:lnSpc>
+              <a:buFont typeface="Arial" panose="020B0604020202020204" pitchFamily="34" charset="0"/>
+              <a:buChar char="•"/>
+            </a:pPr>
+            <a:endParaRPr lang="en-US" altLang="ko-KR" sz="1600" b="1" dirty="0" smtClean="0">
+              <a:solidFill>
+                <a:schemeClr val="tx1"/>
+              </a:solidFill>
+            </a:endParaRPr>
+          </a:p>
+          <a:p>
+            <a:pPr marL="742950" lvl="1" indent="-285750" latinLnBrk="0">
+              <a:lnSpc>
+                <a:spcPct val="150000"/>
+              </a:lnSpc>
+              <a:buFont typeface="Arial" panose="020B0604020202020204" pitchFamily="34" charset="0"/>
+              <a:buChar char="•"/>
+            </a:pPr>
+            <a:endParaRPr kumimoji="0" lang="en-US" altLang="ko-KR" sz="1200" dirty="0">
+              <a:solidFill>
+                <a:srgbClr val="0000FF"/>
               </a:solidFill>
               <a:latin typeface="+mn-ea"/>
             </a:endParaRPr>
@@ -3276,6 +3445,27 @@
               <a:buFont typeface="Arial" panose="020B0604020202020204" pitchFamily="34" charset="0"/>
               <a:buChar char="•"/>
             </a:pPr>
+            <a:endParaRPr kumimoji="0" lang="en-US" altLang="ko-KR" sz="1200" dirty="0" smtClean="0">
+              <a:solidFill>
+                <a:schemeClr val="tx1"/>
+              </a:solidFill>
+              <a:latin typeface="+mn-ea"/>
+            </a:endParaRPr>
+          </a:p>
+          <a:p>
+            <a:pPr lvl="1"/>
+            <a:endParaRPr kumimoji="0" lang="en-US" altLang="ko-KR" sz="1000" dirty="0" smtClean="0">
+              <a:solidFill>
+                <a:schemeClr val="tx1"/>
+              </a:solidFill>
+              <a:latin typeface="+mn-ea"/>
+            </a:endParaRPr>
+          </a:p>
+          <a:p>
+            <a:pPr marL="800100" lvl="1" indent="-342900">
+              <a:buFont typeface="Arial" panose="020B0604020202020204" pitchFamily="34" charset="0"/>
+              <a:buChar char="•"/>
+            </a:pPr>
             <a:endParaRPr kumimoji="0" lang="en-US" altLang="ko-KR" sz="1000" dirty="0" smtClean="0">
               <a:solidFill>
                 <a:schemeClr val="tx1"/>
@@ -3285,39 +3475,10 @@
           </a:p>
         </p:txBody>
       </p:sp>
-      <p:pic>
-        <p:nvPicPr>
-          <p:cNvPr id="4" name="그림 3"/>
-          <p:cNvPicPr>
-            <a:picLocks noChangeAspect="1"/>
-          </p:cNvPicPr>
-          <p:nvPr/>
-        </p:nvPicPr>
-        <p:blipFill>
-          <a:blip r:embed="rId3"/>
-          <a:stretch>
-            <a:fillRect/>
-          </a:stretch>
-        </p:blipFill>
-        <p:spPr>
-          <a:xfrm>
-            <a:off x="3233738" y="4786461"/>
-            <a:ext cx="2676525" cy="1666875"/>
-          </a:xfrm>
-          <a:prstGeom prst="rect">
-            <a:avLst/>
-          </a:prstGeom>
-          <a:ln w="19050">
-            <a:solidFill>
-              <a:schemeClr val="tx1"/>
-            </a:solidFill>
-          </a:ln>
-        </p:spPr>
-      </p:pic>
     </p:spTree>
     <p:extLst>
       <p:ext uri="{BB962C8B-B14F-4D97-AF65-F5344CB8AC3E}">
-        <p14:creationId xmlns:p14="http://schemas.microsoft.com/office/powerpoint/2010/main" val="3790137514"/>
+        <p14:creationId xmlns:p14="http://schemas.microsoft.com/office/powerpoint/2010/main" val="1924871258"/>
       </p:ext>
     </p:extLst>
   </p:cSld>
@@ -3374,25 +3535,18 @@
           <a:lstStyle/>
           <a:p>
             <a:r>
-              <a:rPr lang="en-US" altLang="ko-KR" sz="2400" dirty="0">
-                <a:latin typeface="HY헤드라인M" pitchFamily="18" charset="-127"/>
-                <a:ea typeface="HY헤드라인M" pitchFamily="18" charset="-127"/>
-              </a:rPr>
-              <a:t>GitHub</a:t>
-            </a:r>
-            <a:r>
               <a:rPr lang="en-US" altLang="ko-KR" sz="2400" dirty="0" smtClean="0">
                 <a:latin typeface="HY헤드라인M" pitchFamily="18" charset="-127"/>
                 <a:ea typeface="HY헤드라인M" pitchFamily="18" charset="-127"/>
               </a:rPr>
-              <a:t> </a:t>
+              <a:t>GitHub </a:t>
             </a:r>
             <a:r>
               <a:rPr lang="ko-KR" altLang="en-US" sz="2400" dirty="0" smtClean="0">
                 <a:latin typeface="HY헤드라인M" pitchFamily="18" charset="-127"/>
                 <a:ea typeface="HY헤드라인M" pitchFamily="18" charset="-127"/>
               </a:rPr>
-              <a:t>프로젝트 빌드 및 배포</a:t>
+              <a:t>연결</a:t>
             </a:r>
             <a:endParaRPr lang="ko-KR" altLang="en-US" sz="2400" dirty="0">
               <a:latin typeface="HY헤드라인M" pitchFamily="18" charset="-127"/>
@@ -3499,46 +3653,18 @@
               <a:buChar char="•"/>
             </a:pPr>
             <a:r>
+              <a:rPr lang="en-US" altLang="ko-KR" sz="1600" dirty="0" err="1" smtClean="0"/>
+              <a:t>git</a:t>
+            </a:r>
+            <a:r>
               <a:rPr lang="en-US" altLang="ko-KR" sz="1600" dirty="0" smtClean="0"/>
-              <a:t>yarn build </a:t>
-            </a:r>
-            <a:r>
-              <a:rPr lang="en-US" altLang="ko-KR" sz="1600" dirty="0" smtClean="0">
-                <a:solidFill>
-                  <a:srgbClr val="FF0000"/>
-                </a:solidFill>
-              </a:rPr>
-              <a:t>(</a:t>
-            </a:r>
-            <a:r>
-              <a:rPr lang="en-US" altLang="ko-KR" sz="1600" dirty="0" err="1">
-                <a:solidFill>
-                  <a:srgbClr val="FF0000"/>
-                </a:solidFill>
-              </a:rPr>
-              <a:t>npm</a:t>
-            </a:r>
-            <a:r>
-              <a:rPr lang="en-US" altLang="ko-KR" sz="1600" dirty="0">
-                <a:solidFill>
-                  <a:srgbClr val="FF0000"/>
-                </a:solidFill>
-              </a:rPr>
-              <a:t> run </a:t>
-            </a:r>
-            <a:r>
-              <a:rPr lang="en-US" altLang="ko-KR" sz="1600" dirty="0" smtClean="0">
-                <a:solidFill>
-                  <a:srgbClr val="FF0000"/>
-                </a:solidFill>
-              </a:rPr>
-              <a:t>build)</a:t>
-            </a:r>
-            <a:endParaRPr lang="en-US" altLang="ko-KR" sz="1600" dirty="0">
-              <a:solidFill>
-                <a:srgbClr val="FF0000"/>
-              </a:solidFill>
-            </a:endParaRPr>
+              <a:t> </a:t>
+            </a:r>
+            <a:r>
+              <a:rPr lang="en-US" altLang="ko-KR" sz="1600" dirty="0" err="1" smtClean="0"/>
+              <a:t>init</a:t>
+            </a:r>
+            <a:endParaRPr lang="en-US" altLang="ko-KR" sz="1600" dirty="0" smtClean="0"/>
           </a:p>
           <a:p>
             <a:pPr marL="742950" lvl="1" indent="-285750" latinLnBrk="0">
@@ -3549,101 +3675,21 @@
               <a:buChar char="•"/>
             </a:pPr>
             <a:r>
-              <a:rPr kumimoji="0" lang="en-US" altLang="ko-KR" sz="1600" dirty="0" smtClean="0">
-                <a:solidFill>
-                  <a:schemeClr val="tx1"/>
-                </a:solidFill>
-                <a:latin typeface="+mn-ea"/>
-              </a:rPr>
-              <a:t>yarn </a:t>
-            </a:r>
-            <a:r>
-              <a:rPr kumimoji="0" lang="en-US" altLang="ko-KR" sz="1600" dirty="0">
-                <a:solidFill>
-                  <a:schemeClr val="tx1"/>
-                </a:solidFill>
-                <a:latin typeface="+mn-ea"/>
-              </a:rPr>
-              <a:t>add --dev </a:t>
-            </a:r>
-            <a:r>
-              <a:rPr kumimoji="0" lang="en-US" altLang="ko-KR" sz="1600" dirty="0" err="1" smtClean="0">
-                <a:solidFill>
-                  <a:schemeClr val="tx1"/>
-                </a:solidFill>
-                <a:latin typeface="+mn-ea"/>
-              </a:rPr>
-              <a:t>gh</a:t>
-            </a:r>
-            <a:r>
-              <a:rPr kumimoji="0" lang="en-US" altLang="ko-KR" sz="1600" dirty="0" smtClean="0">
-                <a:solidFill>
-                  <a:schemeClr val="tx1"/>
-                </a:solidFill>
-                <a:latin typeface="+mn-ea"/>
-              </a:rPr>
-              <a:t>-pages </a:t>
-            </a:r>
-            <a:r>
-              <a:rPr kumimoji="0" lang="en-US" altLang="ko-KR" sz="1600" dirty="0" smtClean="0">
-                <a:solidFill>
-                  <a:srgbClr val="FF0000"/>
-                </a:solidFill>
-                <a:latin typeface="+mn-ea"/>
-              </a:rPr>
-              <a:t>(</a:t>
-            </a:r>
-            <a:r>
-              <a:rPr kumimoji="0" lang="en-US" altLang="ko-KR" sz="1600" dirty="0" err="1">
-                <a:solidFill>
-                  <a:srgbClr val="FF0000"/>
-                </a:solidFill>
-                <a:latin typeface="+mn-ea"/>
-              </a:rPr>
-              <a:t>npm</a:t>
-            </a:r>
-            <a:r>
-              <a:rPr kumimoji="0" lang="en-US" altLang="ko-KR" sz="1600" dirty="0">
-                <a:solidFill>
-                  <a:srgbClr val="FF0000"/>
-                </a:solidFill>
-                <a:latin typeface="+mn-ea"/>
-              </a:rPr>
-              <a:t> install </a:t>
-            </a:r>
-            <a:r>
-              <a:rPr kumimoji="0" lang="en-US" altLang="ko-KR" sz="1600" dirty="0" err="1">
-                <a:solidFill>
-                  <a:srgbClr val="FF0000"/>
-                </a:solidFill>
-                <a:latin typeface="+mn-ea"/>
-              </a:rPr>
-              <a:t>gh</a:t>
-            </a:r>
-            <a:r>
-              <a:rPr kumimoji="0" lang="en-US" altLang="ko-KR" sz="1600" dirty="0">
-                <a:solidFill>
-                  <a:srgbClr val="FF0000"/>
-                </a:solidFill>
-                <a:latin typeface="+mn-ea"/>
-              </a:rPr>
-              <a:t>-pages --</a:t>
-            </a:r>
-            <a:r>
-              <a:rPr kumimoji="0" lang="en-US" altLang="ko-KR" sz="1600" dirty="0" smtClean="0">
-                <a:solidFill>
-                  <a:srgbClr val="FF0000"/>
-                </a:solidFill>
-                <a:latin typeface="+mn-ea"/>
-              </a:rPr>
-              <a:t>save-dev)</a:t>
-            </a:r>
-            <a:endParaRPr kumimoji="0" lang="en-US" altLang="ko-KR" sz="1600" dirty="0">
-              <a:solidFill>
-                <a:srgbClr val="FF0000"/>
-              </a:solidFill>
-              <a:latin typeface="+mn-ea"/>
-            </a:endParaRPr>
+              <a:rPr lang="en-US" altLang="ko-KR" sz="1600" dirty="0" err="1">
+                <a:solidFill>
+                  <a:schemeClr val="tx1"/>
+                </a:solidFill>
+              </a:rPr>
+              <a:t>git</a:t>
+            </a:r>
+            <a:r>
+              <a:rPr lang="en-US" altLang="ko-KR" sz="1600" dirty="0">
+                <a:solidFill>
+                  <a:schemeClr val="tx1"/>
+                </a:solidFill>
+              </a:rPr>
+              <a:t> remote add origin https://github.com/jsh-1235/react_study.git</a:t>
+            </a:r>
           </a:p>
           <a:p>
             <a:pPr marL="742950" lvl="1" indent="-285750" latinLnBrk="0">
@@ -3654,41 +3700,16 @@
               <a:buChar char="•"/>
             </a:pPr>
             <a:r>
-              <a:rPr kumimoji="0" lang="en-US" altLang="ko-KR" sz="1600" dirty="0" err="1" smtClean="0">
-                <a:solidFill>
-                  <a:schemeClr val="tx1"/>
-                </a:solidFill>
-                <a:latin typeface="+mn-ea"/>
-              </a:rPr>
-              <a:t>package.json</a:t>
-            </a:r>
-            <a:r>
-              <a:rPr kumimoji="0" lang="en-US" altLang="ko-KR" sz="1600" dirty="0" smtClean="0">
-                <a:solidFill>
-                  <a:schemeClr val="tx1"/>
-                </a:solidFill>
-                <a:latin typeface="+mn-ea"/>
-              </a:rPr>
-              <a:t> </a:t>
-            </a:r>
-            <a:r>
-              <a:rPr kumimoji="0" lang="ko-KR" altLang="en-US" sz="1600" dirty="0" smtClean="0">
-                <a:solidFill>
-                  <a:schemeClr val="tx1"/>
-                </a:solidFill>
-                <a:latin typeface="+mn-ea"/>
-              </a:rPr>
-              <a:t>설정</a:t>
-            </a:r>
-            <a:endParaRPr kumimoji="0" lang="en-US" altLang="ko-KR" sz="1600" dirty="0" smtClean="0">
-              <a:solidFill>
-                <a:schemeClr val="tx1"/>
-              </a:solidFill>
-              <a:latin typeface="+mn-ea"/>
-            </a:endParaRPr>
-          </a:p>
-          <a:p>
-            <a:pPr marL="1200150" lvl="2" indent="-285750" latinLnBrk="0">
+              <a:rPr lang="en-US" altLang="ko-KR" sz="1600" dirty="0" err="1" smtClean="0"/>
+              <a:t>git</a:t>
+            </a:r>
+            <a:r>
+              <a:rPr lang="en-US" altLang="ko-KR" sz="1600" dirty="0" smtClean="0"/>
+              <a:t> add .</a:t>
+            </a:r>
+          </a:p>
+          <a:p>
+            <a:pPr marL="742950" lvl="1" indent="-285750" latinLnBrk="0">
               <a:lnSpc>
                 <a:spcPct val="150000"/>
               </a:lnSpc>
@@ -3696,39 +3717,24 @@
               <a:buChar char="•"/>
             </a:pPr>
             <a:r>
-              <a:rPr kumimoji="0" lang="en-US" altLang="ko-KR" sz="1600" dirty="0">
-                <a:solidFill>
-                  <a:schemeClr val="tx1"/>
-                </a:solidFill>
-                <a:latin typeface="+mn-ea"/>
-              </a:rPr>
-              <a:t>"homepage" : </a:t>
-            </a:r>
-            <a:r>
-              <a:rPr lang="en-US" altLang="ko-KR" sz="1600" dirty="0"/>
-              <a:t> </a:t>
-            </a:r>
-            <a:r>
-              <a:rPr lang="en-US" altLang="ko-KR" sz="1600" dirty="0">
-                <a:hlinkClick r:id="rId3"/>
-              </a:rPr>
-              <a:t>https://jsh-1235.github.io/react_study</a:t>
-            </a:r>
-            <a:r>
-              <a:rPr lang="en-US" altLang="ko-KR" sz="1600" dirty="0" smtClean="0">
-                <a:hlinkClick r:id="rId3"/>
-              </a:rPr>
-              <a:t>/</a:t>
-            </a:r>
-            <a:endParaRPr kumimoji="0" lang="en-US" altLang="ko-KR" sz="1600" dirty="0" smtClean="0">
-              <a:solidFill>
-                <a:schemeClr val="tx1"/>
-              </a:solidFill>
-              <a:latin typeface="+mn-ea"/>
-            </a:endParaRPr>
-          </a:p>
-          <a:p>
-            <a:pPr marL="1200150" lvl="2" indent="-285750" latinLnBrk="0">
+              <a:rPr lang="en-US" altLang="ko-KR" sz="1600" dirty="0" err="1" smtClean="0"/>
+              <a:t>git</a:t>
+            </a:r>
+            <a:r>
+              <a:rPr lang="en-US" altLang="ko-KR" sz="1600" dirty="0" smtClean="0"/>
+              <a:t> state &amp; </a:t>
+            </a:r>
+            <a:r>
+              <a:rPr lang="en-US" altLang="ko-KR" sz="1600" dirty="0" err="1" smtClean="0"/>
+              <a:t>git</a:t>
+            </a:r>
+            <a:r>
+              <a:rPr lang="en-US" altLang="ko-KR" sz="1600" dirty="0" smtClean="0"/>
+              <a:t> diff</a:t>
+            </a:r>
+          </a:p>
+          <a:p>
+            <a:pPr marL="742950" lvl="1" indent="-285750" latinLnBrk="0">
               <a:lnSpc>
                 <a:spcPct val="150000"/>
               </a:lnSpc>
@@ -3736,62 +3742,16 @@
               <a:buChar char="•"/>
             </a:pPr>
             <a:r>
-              <a:rPr kumimoji="0" lang="en-US" altLang="ko-KR" sz="1600" dirty="0" smtClean="0">
-                <a:solidFill>
-                  <a:schemeClr val="tx1"/>
-                </a:solidFill>
-                <a:latin typeface="+mn-ea"/>
-              </a:rPr>
-              <a:t>"</a:t>
-            </a:r>
-            <a:r>
-              <a:rPr kumimoji="0" lang="en-US" altLang="ko-KR" sz="1600" dirty="0" err="1" smtClean="0">
-                <a:solidFill>
-                  <a:schemeClr val="tx1"/>
-                </a:solidFill>
-                <a:latin typeface="+mn-ea"/>
-              </a:rPr>
-              <a:t>predeploy</a:t>
-            </a:r>
-            <a:r>
-              <a:rPr kumimoji="0" lang="en-US" altLang="ko-KR" sz="1600" dirty="0" smtClean="0">
-                <a:solidFill>
-                  <a:schemeClr val="tx1"/>
-                </a:solidFill>
-                <a:latin typeface="+mn-ea"/>
-              </a:rPr>
-              <a:t>": “yarn build“</a:t>
-            </a:r>
-            <a:r>
-              <a:rPr kumimoji="0" lang="en-US" altLang="ko-KR" sz="1600" dirty="0" smtClean="0">
-                <a:solidFill>
-                  <a:srgbClr val="FF0000"/>
-                </a:solidFill>
-                <a:latin typeface="+mn-ea"/>
-              </a:rPr>
-              <a:t> (“</a:t>
-            </a:r>
-            <a:r>
-              <a:rPr kumimoji="0" lang="en-US" altLang="ko-KR" sz="1600" dirty="0" err="1" smtClean="0">
-                <a:solidFill>
-                  <a:srgbClr val="FF0000"/>
-                </a:solidFill>
-                <a:latin typeface="+mn-ea"/>
-              </a:rPr>
-              <a:t>npm</a:t>
-            </a:r>
-            <a:r>
-              <a:rPr kumimoji="0" lang="en-US" altLang="ko-KR" sz="1600" dirty="0" smtClean="0">
-                <a:solidFill>
-                  <a:srgbClr val="FF0000"/>
-                </a:solidFill>
-                <a:latin typeface="+mn-ea"/>
-              </a:rPr>
-              <a:t> run build“)</a:t>
-            </a:r>
-          </a:p>
-          <a:p>
-            <a:pPr marL="1200150" lvl="2" indent="-285750" latinLnBrk="0">
+              <a:rPr lang="en-US" altLang="ko-KR" sz="1600" dirty="0" err="1" smtClean="0"/>
+              <a:t>git</a:t>
+            </a:r>
+            <a:r>
+              <a:rPr lang="en-US" altLang="ko-KR" sz="1600" dirty="0" smtClean="0"/>
+              <a:t> commit –m “initial commit”</a:t>
+            </a:r>
+          </a:p>
+          <a:p>
+            <a:pPr marL="742950" lvl="1" indent="-285750" latinLnBrk="0">
               <a:lnSpc>
                 <a:spcPct val="150000"/>
               </a:lnSpc>
@@ -3799,31 +3759,20 @@
               <a:buChar char="•"/>
             </a:pPr>
             <a:r>
-              <a:rPr kumimoji="0" lang="en-US" altLang="ko-KR" sz="1600" dirty="0" smtClean="0">
-                <a:solidFill>
-                  <a:schemeClr val="tx1"/>
-                </a:solidFill>
-                <a:latin typeface="+mn-ea"/>
-              </a:rPr>
-              <a:t>"deploy": "</a:t>
-            </a:r>
-            <a:r>
-              <a:rPr kumimoji="0" lang="en-US" altLang="ko-KR" sz="1600" dirty="0" err="1" smtClean="0">
-                <a:solidFill>
-                  <a:schemeClr val="tx1"/>
-                </a:solidFill>
-                <a:latin typeface="+mn-ea"/>
-              </a:rPr>
-              <a:t>gh</a:t>
-            </a:r>
-            <a:r>
-              <a:rPr kumimoji="0" lang="en-US" altLang="ko-KR" sz="1600" dirty="0" smtClean="0">
-                <a:solidFill>
-                  <a:schemeClr val="tx1"/>
-                </a:solidFill>
-                <a:latin typeface="+mn-ea"/>
-              </a:rPr>
-              <a:t>-pages -d build“</a:t>
+              <a:rPr lang="en-US" altLang="ko-KR" sz="1600" dirty="0" err="1" smtClean="0"/>
+              <a:t>git</a:t>
+            </a:r>
+            <a:r>
+              <a:rPr lang="en-US" altLang="ko-KR" sz="1600" dirty="0" smtClean="0"/>
+              <a:t> </a:t>
+            </a:r>
+            <a:r>
+              <a:rPr lang="en-US" altLang="ko-KR" sz="1600" dirty="0" smtClean="0"/>
+              <a:t>push </a:t>
+            </a:r>
+            <a:r>
+              <a:rPr lang="en-US" altLang="ko-KR" sz="1600" dirty="0" smtClean="0"/>
+              <a:t>-u origin master</a:t>
             </a:r>
           </a:p>
           <a:p>
@@ -3835,25 +3784,604 @@
               <a:buChar char="•"/>
             </a:pPr>
             <a:r>
-              <a:rPr kumimoji="0" lang="en-US" altLang="ko-KR" sz="1600" dirty="0" smtClean="0">
-                <a:solidFill>
-                  <a:schemeClr val="tx1"/>
+              <a:rPr lang="en-US" altLang="ko-KR" sz="1600" dirty="0" err="1" smtClean="0"/>
+              <a:t>git</a:t>
+            </a:r>
+            <a:r>
+              <a:rPr lang="en-US" altLang="ko-KR" sz="1600" dirty="0" smtClean="0"/>
+              <a:t> </a:t>
+            </a:r>
+            <a:r>
+              <a:rPr lang="en-US" altLang="ko-KR" sz="1600" dirty="0" smtClean="0"/>
+              <a:t>log</a:t>
+            </a:r>
+          </a:p>
+          <a:p>
+            <a:pPr lvl="1"/>
+            <a:endParaRPr kumimoji="0" lang="en-US" altLang="ko-KR" sz="1000" dirty="0" smtClean="0">
+              <a:solidFill>
+                <a:schemeClr val="tx1"/>
+              </a:solidFill>
+              <a:latin typeface="+mn-ea"/>
+            </a:endParaRPr>
+          </a:p>
+          <a:p>
+            <a:pPr marL="800100" lvl="1" indent="-342900">
+              <a:buFont typeface="Arial" panose="020B0604020202020204" pitchFamily="34" charset="0"/>
+              <a:buChar char="•"/>
+            </a:pPr>
+            <a:endParaRPr kumimoji="0" lang="en-US" altLang="ko-KR" sz="1000" dirty="0" smtClean="0">
+              <a:solidFill>
+                <a:schemeClr val="tx1"/>
+              </a:solidFill>
+              <a:latin typeface="+mn-ea"/>
+            </a:endParaRPr>
+          </a:p>
+        </p:txBody>
+      </p:sp>
+      <p:pic>
+        <p:nvPicPr>
+          <p:cNvPr id="4" name="그림 3"/>
+          <p:cNvPicPr>
+            <a:picLocks noChangeAspect="1"/>
+          </p:cNvPicPr>
+          <p:nvPr/>
+        </p:nvPicPr>
+        <p:blipFill>
+          <a:blip r:embed="rId3"/>
+          <a:stretch>
+            <a:fillRect/>
+          </a:stretch>
+        </p:blipFill>
+        <p:spPr>
+          <a:xfrm>
+            <a:off x="3233738" y="4786461"/>
+            <a:ext cx="2676525" cy="1666875"/>
+          </a:xfrm>
+          <a:prstGeom prst="rect">
+            <a:avLst/>
+          </a:prstGeom>
+          <a:ln w="19050">
+            <a:solidFill>
+              <a:schemeClr val="tx1"/>
+            </a:solidFill>
+          </a:ln>
+        </p:spPr>
+      </p:pic>
+    </p:spTree>
+    <p:extLst>
+      <p:ext uri="{BB962C8B-B14F-4D97-AF65-F5344CB8AC3E}">
+        <p14:creationId xmlns:p14="http://schemas.microsoft.com/office/powerpoint/2010/main" val="3790137514"/>
+      </p:ext>
+    </p:extLst>
+  </p:cSld>
+  <p:clrMapOvr>
+    <a:masterClrMapping/>
+  </p:clrMapOvr>
+  <p:timing>
+    <p:tnLst>
+      <p:par>
+        <p:cTn id="1" dur="indefinite" restart="never" nodeType="tmRoot"/>
+      </p:par>
+    </p:tnLst>
+  </p:timing>
+</p:sld>
+</file>
+
+<file path=ppt/slides/slide13.xml><?xml version="1.0" encoding="utf-8"?>
+<p:sld xmlns:a="http://schemas.openxmlformats.org/drawingml/2006/main" xmlns:r="http://schemas.openxmlformats.org/officeDocument/2006/relationships" xmlns:p="http://schemas.openxmlformats.org/presentationml/2006/main">
+  <p:cSld>
+    <p:spTree>
+      <p:nvGrpSpPr>
+        <p:cNvPr id="1" name=""/>
+        <p:cNvGrpSpPr/>
+        <p:nvPr/>
+      </p:nvGrpSpPr>
+      <p:grpSpPr>
+        <a:xfrm>
+          <a:off x="0" y="0"/>
+          <a:ext cx="0" cy="0"/>
+          <a:chOff x="0" y="0"/>
+          <a:chExt cx="0" cy="0"/>
+        </a:xfrm>
+      </p:grpSpPr>
+      <p:sp>
+        <p:nvSpPr>
+          <p:cNvPr id="3" name="TextBox 2"/>
+          <p:cNvSpPr txBox="1"/>
+          <p:nvPr/>
+        </p:nvSpPr>
+        <p:spPr>
+          <a:xfrm>
+            <a:off x="548640" y="470346"/>
+            <a:ext cx="8055807" cy="461665"/>
+          </a:xfrm>
+          <a:prstGeom prst="rect">
+            <a:avLst/>
+          </a:prstGeom>
+          <a:noFill/>
+        </p:spPr>
+        <p:txBody>
+          <a:bodyPr wrap="square" rtlCol="0">
+            <a:spAutoFit/>
+          </a:bodyPr>
+          <a:lstStyle/>
+          <a:p>
+            <a:r>
+              <a:rPr lang="en-US" altLang="ko-KR" sz="2400" dirty="0">
+                <a:latin typeface="HY헤드라인M" pitchFamily="18" charset="-127"/>
+                <a:ea typeface="HY헤드라인M" pitchFamily="18" charset="-127"/>
+              </a:rPr>
+              <a:t>GitHub</a:t>
+            </a:r>
+            <a:r>
+              <a:rPr lang="en-US" altLang="ko-KR" sz="2400" dirty="0" smtClean="0">
+                <a:latin typeface="HY헤드라인M" pitchFamily="18" charset="-127"/>
+                <a:ea typeface="HY헤드라인M" pitchFamily="18" charset="-127"/>
+              </a:rPr>
+              <a:t> </a:t>
+            </a:r>
+            <a:r>
+              <a:rPr lang="ko-KR" altLang="en-US" sz="2400" dirty="0" smtClean="0">
+                <a:latin typeface="HY헤드라인M" pitchFamily="18" charset="-127"/>
+                <a:ea typeface="HY헤드라인M" pitchFamily="18" charset="-127"/>
+              </a:rPr>
+              <a:t>프로젝트 빌드 및 배포</a:t>
+            </a:r>
+            <a:endParaRPr lang="ko-KR" altLang="en-US" sz="2400" dirty="0">
+              <a:latin typeface="HY헤드라인M" pitchFamily="18" charset="-127"/>
+              <a:ea typeface="HY헤드라인M" pitchFamily="18" charset="-127"/>
+            </a:endParaRPr>
+          </a:p>
+        </p:txBody>
+      </p:sp>
+      <p:pic>
+        <p:nvPicPr>
+          <p:cNvPr id="2" name="그림 1"/>
+          <p:cNvPicPr>
+            <a:picLocks noChangeAspect="1"/>
+          </p:cNvPicPr>
+          <p:nvPr/>
+        </p:nvPicPr>
+        <p:blipFill>
+          <a:blip r:embed="rId2" cstate="print">
+            <a:extLst>
+              <a:ext uri="{28A0092B-C50C-407E-A947-70E740481C1C}">
+                <a14:useLocalDpi xmlns:a14="http://schemas.microsoft.com/office/drawing/2010/main" val="0"/>
+              </a:ext>
+            </a:extLst>
+          </a:blip>
+          <a:stretch>
+            <a:fillRect/>
+          </a:stretch>
+        </p:blipFill>
+        <p:spPr>
+          <a:xfrm>
+            <a:off x="7596744" y="2925352"/>
+            <a:ext cx="71600" cy="71600"/>
+          </a:xfrm>
+          <a:prstGeom prst="rect">
+            <a:avLst/>
+          </a:prstGeom>
+        </p:spPr>
+      </p:pic>
+      <p:sp>
+        <p:nvSpPr>
+          <p:cNvPr id="5" name="모서리가 둥근 직사각형 4"/>
+          <p:cNvSpPr/>
+          <p:nvPr/>
+        </p:nvSpPr>
+        <p:spPr>
+          <a:xfrm>
+            <a:off x="439982" y="1251508"/>
+            <a:ext cx="8164465" cy="5345844"/>
+          </a:xfrm>
+          <a:prstGeom prst="roundRect">
+            <a:avLst>
+              <a:gd name="adj" fmla="val 8134"/>
+            </a:avLst>
+          </a:prstGeom>
+          <a:ln/>
+        </p:spPr>
+        <p:style>
+          <a:lnRef idx="2">
+            <a:schemeClr val="accent1"/>
+          </a:lnRef>
+          <a:fillRef idx="1">
+            <a:schemeClr val="lt1"/>
+          </a:fillRef>
+          <a:effectRef idx="0">
+            <a:schemeClr val="accent1"/>
+          </a:effectRef>
+          <a:fontRef idx="minor">
+            <a:schemeClr val="dk1"/>
+          </a:fontRef>
+        </p:style>
+        <p:txBody>
+          <a:bodyPr rtlCol="0" anchor="t"/>
+          <a:lstStyle/>
+          <a:p>
+            <a:pPr marL="285750" indent="-285750">
+              <a:lnSpc>
+                <a:spcPct val="150000"/>
+              </a:lnSpc>
+              <a:buFont typeface="Wingdings" panose="05000000000000000000" pitchFamily="2" charset="2"/>
+              <a:buChar char="Ø"/>
+            </a:pPr>
+            <a:r>
+              <a:rPr lang="ko-KR" altLang="en-US" sz="2000" dirty="0" smtClean="0">
+                <a:solidFill>
+                  <a:srgbClr val="0000FF"/>
                 </a:solidFill>
                 <a:latin typeface="+mn-ea"/>
               </a:rPr>
-              <a:t>yarn deploy</a:t>
-            </a:r>
-            <a:r>
-              <a:rPr kumimoji="0" lang="en-US" altLang="ko-KR" sz="1600" dirty="0" smtClean="0">
+              <a:t>절차</a:t>
+            </a:r>
+            <a:endParaRPr lang="en-US" altLang="ko-KR" sz="2000" dirty="0" smtClean="0">
+              <a:solidFill>
+                <a:srgbClr val="0000FF"/>
+              </a:solidFill>
+              <a:latin typeface="+mn-ea"/>
+            </a:endParaRPr>
+          </a:p>
+          <a:p>
+            <a:pPr marL="742950" lvl="1" indent="-285750" latinLnBrk="0">
+              <a:lnSpc>
+                <a:spcPct val="150000"/>
+              </a:lnSpc>
+              <a:buFont typeface="Arial" panose="020B0604020202020204" pitchFamily="34" charset="0"/>
+              <a:buChar char="•"/>
+            </a:pPr>
+            <a:r>
+              <a:rPr lang="en-US" altLang="ko-KR" sz="1400" dirty="0" err="1" smtClean="0"/>
+              <a:t>gh</a:t>
+            </a:r>
+            <a:r>
+              <a:rPr lang="en-US" altLang="ko-KR" sz="1400" dirty="0" smtClean="0"/>
+              <a:t>-pages </a:t>
+            </a:r>
+            <a:r>
+              <a:rPr lang="ko-KR" altLang="en-US" sz="1400" dirty="0" smtClean="0"/>
+              <a:t>패키지 설치</a:t>
+            </a:r>
+            <a:endParaRPr lang="en-US" altLang="ko-KR" sz="1400" dirty="0" smtClean="0"/>
+          </a:p>
+          <a:p>
+            <a:pPr marL="1200150" lvl="2" indent="-285750" latinLnBrk="0">
+              <a:lnSpc>
+                <a:spcPct val="150000"/>
+              </a:lnSpc>
+              <a:buFont typeface="Arial" panose="020B0604020202020204" pitchFamily="34" charset="0"/>
+              <a:buChar char="•"/>
+            </a:pPr>
+            <a:r>
+              <a:rPr kumimoji="0" lang="en-US" altLang="ko-KR" sz="1400" dirty="0" smtClean="0">
+                <a:solidFill>
+                  <a:schemeClr val="tx1"/>
+                </a:solidFill>
+                <a:latin typeface="+mn-ea"/>
+              </a:rPr>
+              <a:t>yarn </a:t>
+            </a:r>
+            <a:r>
+              <a:rPr kumimoji="0" lang="en-US" altLang="ko-KR" sz="1400" dirty="0">
+                <a:solidFill>
+                  <a:schemeClr val="tx1"/>
+                </a:solidFill>
+                <a:latin typeface="+mn-ea"/>
+              </a:rPr>
+              <a:t>add --dev </a:t>
+            </a:r>
+            <a:r>
+              <a:rPr kumimoji="0" lang="en-US" altLang="ko-KR" sz="1400" dirty="0" err="1" smtClean="0">
+                <a:solidFill>
+                  <a:schemeClr val="tx1"/>
+                </a:solidFill>
+                <a:latin typeface="+mn-ea"/>
+              </a:rPr>
+              <a:t>gh</a:t>
+            </a:r>
+            <a:r>
+              <a:rPr kumimoji="0" lang="en-US" altLang="ko-KR" sz="1400" dirty="0" smtClean="0">
+                <a:solidFill>
+                  <a:schemeClr val="tx1"/>
+                </a:solidFill>
+                <a:latin typeface="+mn-ea"/>
+              </a:rPr>
+              <a:t>-pages</a:t>
+            </a:r>
+          </a:p>
+          <a:p>
+            <a:pPr marL="1200150" lvl="2" indent="-285750" latinLnBrk="0">
+              <a:lnSpc>
+                <a:spcPct val="150000"/>
+              </a:lnSpc>
+              <a:buFont typeface="Arial" panose="020B0604020202020204" pitchFamily="34" charset="0"/>
+              <a:buChar char="•"/>
+            </a:pPr>
+            <a:r>
+              <a:rPr kumimoji="0" lang="en-US" altLang="ko-KR" sz="1400" dirty="0" err="1" smtClean="0">
                 <a:solidFill>
                   <a:srgbClr val="FF0000"/>
                 </a:solidFill>
                 <a:latin typeface="+mn-ea"/>
               </a:rPr>
+              <a:t>npm</a:t>
+            </a:r>
+            <a:r>
+              <a:rPr kumimoji="0" lang="en-US" altLang="ko-KR" sz="1400" dirty="0" smtClean="0">
+                <a:solidFill>
+                  <a:srgbClr val="FF0000"/>
+                </a:solidFill>
+                <a:latin typeface="+mn-ea"/>
+              </a:rPr>
+              <a:t> </a:t>
+            </a:r>
+            <a:r>
+              <a:rPr kumimoji="0" lang="en-US" altLang="ko-KR" sz="1400" dirty="0">
+                <a:solidFill>
+                  <a:srgbClr val="FF0000"/>
+                </a:solidFill>
+                <a:latin typeface="+mn-ea"/>
+              </a:rPr>
+              <a:t>install </a:t>
+            </a:r>
+            <a:r>
+              <a:rPr kumimoji="0" lang="en-US" altLang="ko-KR" sz="1400" dirty="0" err="1">
+                <a:solidFill>
+                  <a:srgbClr val="FF0000"/>
+                </a:solidFill>
+                <a:latin typeface="+mn-ea"/>
+              </a:rPr>
+              <a:t>gh</a:t>
+            </a:r>
+            <a:r>
+              <a:rPr kumimoji="0" lang="en-US" altLang="ko-KR" sz="1400" dirty="0">
+                <a:solidFill>
+                  <a:srgbClr val="FF0000"/>
+                </a:solidFill>
+                <a:latin typeface="+mn-ea"/>
+              </a:rPr>
+              <a:t>-pages --</a:t>
+            </a:r>
+            <a:r>
+              <a:rPr kumimoji="0" lang="en-US" altLang="ko-KR" sz="1400" dirty="0" smtClean="0">
+                <a:solidFill>
+                  <a:srgbClr val="FF0000"/>
+                </a:solidFill>
+                <a:latin typeface="+mn-ea"/>
+              </a:rPr>
+              <a:t>save-dev</a:t>
+            </a:r>
+          </a:p>
+          <a:p>
+            <a:pPr marL="742950" lvl="1" indent="-285750" latinLnBrk="0">
+              <a:lnSpc>
+                <a:spcPct val="150000"/>
+              </a:lnSpc>
+              <a:buFont typeface="Arial" panose="020B0604020202020204" pitchFamily="34" charset="0"/>
+              <a:buChar char="•"/>
+            </a:pPr>
+            <a:r>
+              <a:rPr kumimoji="0" lang="en-US" altLang="ko-KR" sz="1400" dirty="0" err="1" smtClean="0">
+                <a:solidFill>
+                  <a:schemeClr val="tx1"/>
+                </a:solidFill>
+                <a:latin typeface="+mn-ea"/>
+              </a:rPr>
+              <a:t>package.json</a:t>
+            </a:r>
+            <a:r>
+              <a:rPr kumimoji="0" lang="en-US" altLang="ko-KR" sz="1400" dirty="0" smtClean="0">
+                <a:solidFill>
+                  <a:schemeClr val="tx1"/>
+                </a:solidFill>
+                <a:latin typeface="+mn-ea"/>
+              </a:rPr>
+              <a:t> </a:t>
+            </a:r>
+            <a:r>
+              <a:rPr kumimoji="0" lang="ko-KR" altLang="en-US" sz="1400" dirty="0" smtClean="0">
+                <a:solidFill>
+                  <a:schemeClr val="tx1"/>
+                </a:solidFill>
+                <a:latin typeface="+mn-ea"/>
+              </a:rPr>
+              <a:t>설정</a:t>
+            </a:r>
+            <a:endParaRPr kumimoji="0" lang="en-US" altLang="ko-KR" sz="1400" dirty="0" smtClean="0">
+              <a:solidFill>
+                <a:schemeClr val="tx1"/>
+              </a:solidFill>
+              <a:latin typeface="+mn-ea"/>
+            </a:endParaRPr>
+          </a:p>
+          <a:p>
+            <a:pPr marL="1200150" lvl="2" indent="-285750" latinLnBrk="0">
+              <a:lnSpc>
+                <a:spcPct val="150000"/>
+              </a:lnSpc>
+              <a:buFont typeface="Arial" panose="020B0604020202020204" pitchFamily="34" charset="0"/>
+              <a:buChar char="•"/>
+            </a:pPr>
+            <a:r>
+              <a:rPr kumimoji="0" lang="en-US" altLang="ko-KR" sz="1400" dirty="0">
+                <a:solidFill>
+                  <a:schemeClr val="tx1"/>
+                </a:solidFill>
+                <a:latin typeface="+mn-ea"/>
+              </a:rPr>
+              <a:t>"homepage" : </a:t>
+            </a:r>
+            <a:r>
+              <a:rPr lang="en-US" altLang="ko-KR" sz="1400" dirty="0"/>
+              <a:t> </a:t>
+            </a:r>
+            <a:r>
+              <a:rPr lang="en-US" altLang="ko-KR" sz="1400" dirty="0">
+                <a:hlinkClick r:id="rId3"/>
+              </a:rPr>
+              <a:t>https://jsh-1235.github.io/react_study</a:t>
+            </a:r>
+            <a:r>
+              <a:rPr lang="en-US" altLang="ko-KR" sz="1400" dirty="0" smtClean="0">
+                <a:hlinkClick r:id="rId3"/>
+              </a:rPr>
+              <a:t>/</a:t>
+            </a:r>
+            <a:endParaRPr lang="en-US" altLang="ko-KR" sz="1400" dirty="0" smtClean="0"/>
+          </a:p>
+          <a:p>
+            <a:pPr marL="1200150" lvl="2" indent="-285750" latinLnBrk="0">
+              <a:lnSpc>
+                <a:spcPct val="150000"/>
+              </a:lnSpc>
+              <a:buFont typeface="Arial" panose="020B0604020202020204" pitchFamily="34" charset="0"/>
+              <a:buChar char="•"/>
+            </a:pPr>
+            <a:r>
+              <a:rPr kumimoji="0" lang="en-US" altLang="ko-KR" sz="1400" dirty="0" smtClean="0">
+                <a:solidFill>
+                  <a:schemeClr val="tx1"/>
+                </a:solidFill>
+                <a:latin typeface="+mn-ea"/>
+              </a:rPr>
+              <a:t>"</a:t>
+            </a:r>
+            <a:r>
+              <a:rPr kumimoji="0" lang="en-US" altLang="ko-KR" sz="1400" dirty="0" err="1" smtClean="0">
+                <a:solidFill>
+                  <a:schemeClr val="tx1"/>
+                </a:solidFill>
+                <a:latin typeface="+mn-ea"/>
+              </a:rPr>
+              <a:t>predeploy</a:t>
+            </a:r>
+            <a:r>
+              <a:rPr kumimoji="0" lang="en-US" altLang="ko-KR" sz="1400" dirty="0">
+                <a:solidFill>
+                  <a:schemeClr val="tx1"/>
+                </a:solidFill>
+                <a:latin typeface="+mn-ea"/>
+              </a:rPr>
+              <a:t>": </a:t>
+            </a:r>
+            <a:r>
+              <a:rPr kumimoji="0" lang="en-US" altLang="ko-KR" sz="1400" dirty="0" smtClean="0">
+                <a:solidFill>
+                  <a:schemeClr val="tx1"/>
+                </a:solidFill>
+                <a:latin typeface="+mn-ea"/>
+              </a:rPr>
+              <a:t>"</a:t>
+            </a:r>
+            <a:r>
+              <a:rPr kumimoji="0" lang="en-US" altLang="ko-KR" sz="1400" dirty="0" err="1">
+                <a:solidFill>
+                  <a:schemeClr val="tx1"/>
+                </a:solidFill>
+                <a:latin typeface="+mn-ea"/>
+              </a:rPr>
+              <a:t>npm</a:t>
+            </a:r>
+            <a:r>
+              <a:rPr kumimoji="0" lang="en-US" altLang="ko-KR" sz="1400" dirty="0">
+                <a:solidFill>
+                  <a:schemeClr val="tx1"/>
+                </a:solidFill>
+                <a:latin typeface="+mn-ea"/>
+              </a:rPr>
+              <a:t> run </a:t>
+            </a:r>
+            <a:r>
+              <a:rPr kumimoji="0" lang="en-US" altLang="ko-KR" sz="1400" dirty="0" smtClean="0">
+                <a:solidFill>
+                  <a:schemeClr val="tx1"/>
+                </a:solidFill>
+                <a:latin typeface="+mn-ea"/>
+              </a:rPr>
+              <a:t>build"</a:t>
+            </a:r>
+            <a:endParaRPr kumimoji="0" lang="en-US" altLang="ko-KR" sz="1400" dirty="0">
+              <a:solidFill>
+                <a:schemeClr val="tx1"/>
+              </a:solidFill>
+              <a:latin typeface="+mn-ea"/>
+            </a:endParaRPr>
+          </a:p>
+          <a:p>
+            <a:pPr marL="1200150" lvl="2" indent="-285750" latinLnBrk="0">
+              <a:lnSpc>
+                <a:spcPct val="150000"/>
+              </a:lnSpc>
+              <a:buFont typeface="Arial" panose="020B0604020202020204" pitchFamily="34" charset="0"/>
+              <a:buChar char="•"/>
+            </a:pPr>
+            <a:r>
+              <a:rPr kumimoji="0" lang="en-US" altLang="ko-KR" sz="1400" dirty="0" smtClean="0">
+                <a:solidFill>
+                  <a:schemeClr val="tx1"/>
+                </a:solidFill>
+                <a:latin typeface="+mn-ea"/>
+              </a:rPr>
+              <a:t>"deploy": "</a:t>
+            </a:r>
+            <a:r>
+              <a:rPr kumimoji="0" lang="en-US" altLang="ko-KR" sz="1400" dirty="0" err="1" smtClean="0">
+                <a:solidFill>
+                  <a:schemeClr val="tx1"/>
+                </a:solidFill>
+                <a:latin typeface="+mn-ea"/>
+              </a:rPr>
+              <a:t>gh</a:t>
+            </a:r>
+            <a:r>
+              <a:rPr kumimoji="0" lang="en-US" altLang="ko-KR" sz="1400" dirty="0" smtClean="0">
+                <a:solidFill>
+                  <a:schemeClr val="tx1"/>
+                </a:solidFill>
+                <a:latin typeface="+mn-ea"/>
+              </a:rPr>
+              <a:t>-pages -d build"</a:t>
+            </a:r>
+          </a:p>
+          <a:p>
+            <a:pPr marL="742950" lvl="1" indent="-285750" latinLnBrk="0">
+              <a:lnSpc>
+                <a:spcPct val="150000"/>
+              </a:lnSpc>
+              <a:buFont typeface="Arial" panose="020B0604020202020204" pitchFamily="34" charset="0"/>
+              <a:buChar char="•"/>
+            </a:pPr>
+            <a:r>
+              <a:rPr kumimoji="0" lang="en-US" altLang="ko-KR" sz="1400" dirty="0" smtClean="0">
+                <a:solidFill>
+                  <a:schemeClr val="tx1"/>
+                </a:solidFill>
+                <a:latin typeface="+mn-ea"/>
+              </a:rPr>
+              <a:t>yarn </a:t>
+            </a:r>
+            <a:r>
+              <a:rPr kumimoji="0" lang="en-US" altLang="ko-KR" sz="1400" dirty="0" smtClean="0">
+                <a:solidFill>
+                  <a:schemeClr val="tx1"/>
+                </a:solidFill>
+                <a:latin typeface="+mn-ea"/>
+              </a:rPr>
+              <a:t>deploy</a:t>
+            </a:r>
+            <a:r>
+              <a:rPr kumimoji="0" lang="en-US" altLang="ko-KR" sz="1400" dirty="0" smtClean="0">
+                <a:solidFill>
+                  <a:srgbClr val="FF0000"/>
+                </a:solidFill>
+                <a:latin typeface="+mn-ea"/>
+              </a:rPr>
               <a:t> (</a:t>
             </a:r>
             <a:r>
-              <a:rPr kumimoji="0" lang="en-US" altLang="ko-KR" sz="1600" dirty="0" err="1">
+              <a:rPr kumimoji="0" lang="en-US" altLang="ko-KR" sz="1400" dirty="0" err="1">
                 <a:solidFill>
                   <a:srgbClr val="FF0000"/>
                 </a:solidFill>
@@ -3862,7 +4390,7 @@
               <a:t>npm</a:t>
             </a:r>
             <a:r>
-              <a:rPr kumimoji="0" lang="en-US" altLang="ko-KR" sz="1600" dirty="0">
+              <a:rPr kumimoji="0" lang="en-US" altLang="ko-KR" sz="1400" dirty="0">
                 <a:solidFill>
                   <a:srgbClr val="FF0000"/>
                 </a:solidFill>
@@ -3871,7 +4399,7 @@
               <a:t> run </a:t>
             </a:r>
             <a:r>
-              <a:rPr kumimoji="0" lang="en-US" altLang="ko-KR" sz="1600" dirty="0" smtClean="0">
+              <a:rPr kumimoji="0" lang="en-US" altLang="ko-KR" sz="1400" dirty="0" smtClean="0">
                 <a:solidFill>
                   <a:srgbClr val="FF0000"/>
                 </a:solidFill>
@@ -3880,11 +4408,11 @@
               <a:t>deploy) -&gt; </a:t>
             </a:r>
             <a:r>
-              <a:rPr lang="en-US" altLang="ko-KR" sz="1600" dirty="0"/>
+              <a:rPr lang="en-US" altLang="ko-KR" sz="1400" dirty="0"/>
               <a:t> </a:t>
             </a:r>
             <a:r>
-              <a:rPr lang="en-US" altLang="ko-KR" sz="1600" dirty="0" err="1" smtClean="0">
+              <a:rPr lang="en-US" altLang="ko-KR" sz="1400" dirty="0" err="1" smtClean="0">
                 <a:solidFill>
                   <a:srgbClr val="FF0000"/>
                 </a:solidFill>
@@ -3892,7 +4420,7 @@
               <a:t>gh</a:t>
             </a:r>
             <a:r>
-              <a:rPr lang="en-US" altLang="ko-KR" sz="1600" dirty="0" smtClean="0">
+              <a:rPr lang="en-US" altLang="ko-KR" sz="1400" dirty="0" smtClean="0">
                 <a:solidFill>
                   <a:srgbClr val="FF0000"/>
                 </a:solidFill>
@@ -3900,14 +4428,14 @@
               <a:t>-pages branch </a:t>
             </a:r>
             <a:r>
-              <a:rPr lang="ko-KR" altLang="en-US" sz="1600" dirty="0" smtClean="0">
+              <a:rPr lang="ko-KR" altLang="en-US" sz="1400" dirty="0" smtClean="0">
                 <a:solidFill>
                   <a:srgbClr val="FF0000"/>
                 </a:solidFill>
               </a:rPr>
               <a:t>생성</a:t>
             </a:r>
-            <a:endParaRPr kumimoji="0" lang="en-US" altLang="ko-KR" sz="1600" dirty="0">
+            <a:endParaRPr kumimoji="0" lang="en-US" altLang="ko-KR" sz="1400" dirty="0">
               <a:solidFill>
                 <a:srgbClr val="FF0000"/>
               </a:solidFill>
@@ -4140,7 +4668,7 @@
 </p:sld>
 </file>
 
-<file path=ppt/slides/slide13.xml><?xml version="1.0" encoding="utf-8"?>
+<file path=ppt/slides/slide14.xml><?xml version="1.0" encoding="utf-8"?>
 <p:sld xmlns:a="http://schemas.openxmlformats.org/drawingml/2006/main" xmlns:r="http://schemas.openxmlformats.org/officeDocument/2006/relationships" xmlns:p="http://schemas.openxmlformats.org/presentationml/2006/main">
   <p:cSld>
     <p:spTree>
@@ -4391,7 +4919,7 @@
 </p:sld>
 </file>
 
-<file path=ppt/slides/slide14.xml><?xml version="1.0" encoding="utf-8"?>
+<file path=ppt/slides/slide15.xml><?xml version="1.0" encoding="utf-8"?>
 <p:sld xmlns:a="http://schemas.openxmlformats.org/drawingml/2006/main" xmlns:r="http://schemas.openxmlformats.org/officeDocument/2006/relationships" xmlns:p="http://schemas.openxmlformats.org/presentationml/2006/main">
   <p:cSld>
     <p:spTree>
@@ -4770,7 +5298,7 @@
 </p:sld>
 </file>
 
-<file path=ppt/slides/slide15.xml><?xml version="1.0" encoding="utf-8"?>
+<file path=ppt/slides/slide16.xml><?xml version="1.0" encoding="utf-8"?>
 <p:sld xmlns:a="http://schemas.openxmlformats.org/drawingml/2006/main" xmlns:r="http://schemas.openxmlformats.org/officeDocument/2006/relationships" xmlns:p="http://schemas.openxmlformats.org/presentationml/2006/main">
   <p:cSld>
     <p:spTree>
@@ -5120,7 +5648,7 @@
 </p:sld>
 </file>
 
-<file path=ppt/slides/slide16.xml><?xml version="1.0" encoding="utf-8"?>
+<file path=ppt/slides/slide17.xml><?xml version="1.0" encoding="utf-8"?>
 <p:sld xmlns:a="http://schemas.openxmlformats.org/drawingml/2006/main" xmlns:r="http://schemas.openxmlformats.org/officeDocument/2006/relationships" xmlns:p="http://schemas.openxmlformats.org/presentationml/2006/main">
   <p:cSld>
     <p:spTree>
@@ -5578,7 +6106,7 @@
 </p:sld>
 </file>
 
-<file path=ppt/slides/slide17.xml><?xml version="1.0" encoding="utf-8"?>
+<file path=ppt/slides/slide18.xml><?xml version="1.0" encoding="utf-8"?>
 <p:sld xmlns:a="http://schemas.openxmlformats.org/drawingml/2006/main" xmlns:r="http://schemas.openxmlformats.org/officeDocument/2006/relationships" xmlns:p="http://schemas.openxmlformats.org/presentationml/2006/main">
   <p:cSld>
     <p:spTree>
@@ -6250,7 +6778,7 @@
 </p:sld>
 </file>
 
-<file path=ppt/slides/slide18.xml><?xml version="1.0" encoding="utf-8"?>
+<file path=ppt/slides/slide19.xml><?xml version="1.0" encoding="utf-8"?>
 <p:sld xmlns:a="http://schemas.openxmlformats.org/drawingml/2006/main" xmlns:r="http://schemas.openxmlformats.org/officeDocument/2006/relationships" xmlns:p="http://schemas.openxmlformats.org/presentationml/2006/main">
   <p:cSld>
     <p:spTree>
@@ -8669,7 +9197,7 @@
               <a:buChar char="Ø"/>
             </a:pPr>
             <a:r>
-              <a:rPr lang="en-US" altLang="ko-KR" sz="2000" dirty="0" err="1" smtClean="0">
+              <a:rPr lang="en-US" altLang="ko-KR" sz="2000" dirty="0" smtClean="0">
                 <a:solidFill>
                   <a:srgbClr val="0000FF"/>
                 </a:solidFill>
@@ -8849,7 +9377,7 @@
             <a:r>
               <a:rPr lang="en-US" altLang="ko-KR" sz="1600" dirty="0" smtClean="0">
                 <a:solidFill>
-                  <a:schemeClr val="tx1"/>
+                  <a:srgbClr val="FF0000"/>
                 </a:solidFill>
               </a:rPr>
               <a:t>hot-loader</a:t>
@@ -8857,7 +9385,7 @@
             <a:r>
               <a:rPr lang="ko-KR" altLang="en-US" sz="1600" dirty="0" smtClean="0">
                 <a:solidFill>
-                  <a:schemeClr val="tx1"/>
+                  <a:srgbClr val="FF0000"/>
                 </a:solidFill>
               </a:rPr>
               <a:t>를 통하여 코드가 수정될 때마다 자동으로 </a:t>
@@ -8865,7 +9393,7 @@
             <a:r>
               <a:rPr lang="ko-KR" altLang="en-US" sz="1600" dirty="0" err="1" smtClean="0">
                 <a:solidFill>
-                  <a:schemeClr val="tx1"/>
+                  <a:srgbClr val="FF0000"/>
                 </a:solidFill>
               </a:rPr>
               <a:t>리로드</a:t>
@@ -8873,7 +9401,7 @@
             <a:r>
               <a:rPr lang="en-US" altLang="ko-KR" sz="1600" dirty="0" smtClean="0">
                 <a:solidFill>
-                  <a:schemeClr val="tx1"/>
+                  <a:srgbClr val="FF0000"/>
                 </a:solidFill>
               </a:rPr>
               <a:t>(Reload)</a:t>
@@ -8881,7 +9409,7 @@
             <a:r>
               <a:rPr lang="ko-KR" altLang="en-US" sz="1600" dirty="0" smtClean="0">
                 <a:solidFill>
-                  <a:schemeClr val="tx1"/>
+                  <a:srgbClr val="FF0000"/>
                 </a:solidFill>
               </a:rPr>
               <a:t>를 수행한다</a:t>
@@ -8889,14 +9417,14 @@
             <a:r>
               <a:rPr lang="en-US" altLang="ko-KR" sz="1600" dirty="0" smtClean="0">
                 <a:solidFill>
-                  <a:schemeClr val="tx1"/>
+                  <a:srgbClr val="FF0000"/>
                 </a:solidFill>
               </a:rPr>
               <a:t>.</a:t>
             </a:r>
             <a:endParaRPr lang="en-US" altLang="ko-KR" sz="1600" dirty="0">
               <a:solidFill>
-                <a:schemeClr val="tx1"/>
+                <a:srgbClr val="FF0000"/>
               </a:solidFill>
             </a:endParaRPr>
           </a:p>
@@ -9357,7 +9885,15 @@
                   <a:schemeClr val="tx1"/>
                 </a:solidFill>
               </a:rPr>
-              <a:t>–g create-react-app</a:t>
+              <a:t>–g </a:t>
+            </a:r>
+            <a:r>
+              <a:rPr lang="en-US" altLang="ko-KR" sz="1400" dirty="0" smtClean="0">
+                <a:solidFill>
+                  <a:schemeClr val="tx1"/>
+                </a:solidFill>
+              </a:rPr>
+              <a:t>create-react-app</a:t>
             </a:r>
           </a:p>
           <a:p>
@@ -9369,37 +9905,22 @@
               <a:buChar char="•"/>
             </a:pPr>
             <a:r>
-              <a:rPr lang="en-US" altLang="ko-KR" sz="1400" dirty="0">
-                <a:solidFill>
-                  <a:schemeClr val="tx1"/>
-                </a:solidFill>
-              </a:rPr>
-              <a:t>y</a:t>
-            </a:r>
-            <a:r>
-              <a:rPr lang="en-US" altLang="ko-KR" sz="1400" dirty="0" smtClean="0">
-                <a:solidFill>
-                  <a:schemeClr val="tx1"/>
-                </a:solidFill>
-              </a:rPr>
-              <a:t>arn </a:t>
-            </a:r>
-            <a:r>
-              <a:rPr lang="en-US" altLang="ko-KR" sz="1400" dirty="0">
-                <a:solidFill>
-                  <a:schemeClr val="tx1"/>
-                </a:solidFill>
-              </a:rPr>
-              <a:t>global add </a:t>
-            </a:r>
-            <a:r>
-              <a:rPr lang="en-US" altLang="ko-KR" sz="1400" dirty="0" smtClean="0">
-                <a:solidFill>
-                  <a:schemeClr val="tx1"/>
-                </a:solidFill>
-              </a:rPr>
-              <a:t>create-react-app</a:t>
-            </a:r>
+              <a:rPr lang="en-US" altLang="ko-KR" sz="1400" dirty="0" err="1"/>
+              <a:t>npm</a:t>
+            </a:r>
+            <a:r>
+              <a:rPr lang="en-US" altLang="ko-KR" sz="1400" dirty="0"/>
+              <a:t> install --save </a:t>
+            </a:r>
+            <a:r>
+              <a:rPr lang="en-US" altLang="ko-KR" sz="1400" dirty="0" err="1" smtClean="0"/>
+              <a:t>react-scripts@latest</a:t>
+            </a:r>
+            <a:endParaRPr lang="en-US" altLang="ko-KR" sz="1400" dirty="0" smtClean="0">
+              <a:solidFill>
+                <a:schemeClr val="tx1"/>
+              </a:solidFill>
+            </a:endParaRPr>
           </a:p>
           <a:p>
             <a:pPr marL="742950" lvl="1" indent="-285750" latinLnBrk="0">
@@ -9415,11 +9936,11 @@
             </a:r>
             <a:r>
               <a:rPr lang="en-US" altLang="ko-KR" sz="1400" dirty="0"/>
-              <a:t> install --save </a:t>
-            </a:r>
-            <a:r>
-              <a:rPr lang="en-US" altLang="ko-KR" sz="1400" dirty="0" err="1"/>
-              <a:t>react-scripts@latest</a:t>
+              <a:t> install -g </a:t>
+            </a:r>
+            <a:r>
+              <a:rPr lang="en-US" altLang="ko-KR" sz="1400" dirty="0" smtClean="0"/>
+              <a:t>yarn</a:t>
             </a:r>
             <a:endParaRPr lang="en-US" altLang="ko-KR" sz="1400" dirty="0" smtClean="0">
               <a:solidFill>
@@ -9436,16 +9957,28 @@
               <a:buChar char="•"/>
             </a:pPr>
             <a:r>
-              <a:rPr lang="en-US" altLang="ko-KR" sz="1400" dirty="0" err="1"/>
-              <a:t>npm</a:t>
-            </a:r>
-            <a:r>
-              <a:rPr lang="en-US" altLang="ko-KR" sz="1400" dirty="0"/>
-              <a:t> install -g </a:t>
-            </a:r>
-            <a:r>
-              <a:rPr lang="en-US" altLang="ko-KR" sz="1400" dirty="0" smtClean="0"/>
-              <a:t>yarn</a:t>
+              <a:rPr lang="en-US" altLang="ko-KR" sz="1400" dirty="0" smtClean="0">
+                <a:solidFill>
+                  <a:schemeClr val="tx1"/>
+                </a:solidFill>
+              </a:rPr>
+              <a:t>yarn </a:t>
+            </a:r>
+            <a:r>
+              <a:rPr lang="en-US" altLang="ko-KR" sz="1400" dirty="0">
+                <a:solidFill>
+                  <a:schemeClr val="tx1"/>
+                </a:solidFill>
+              </a:rPr>
+              <a:t>global add </a:t>
+            </a:r>
+            <a:r>
+              <a:rPr lang="en-US" altLang="ko-KR" sz="1400" dirty="0" smtClean="0">
+                <a:solidFill>
+                  <a:schemeClr val="tx1"/>
+                </a:solidFill>
+              </a:rPr>
+              <a:t>create-react-app</a:t>
             </a:r>
           </a:p>
           <a:p>
@@ -9457,24 +9990,66 @@
               <a:buChar char="•"/>
             </a:pPr>
             <a:r>
-              <a:rPr lang="en-US" altLang="ko-KR" sz="1400" dirty="0" smtClean="0">
-                <a:solidFill>
-                  <a:srgbClr val="FF0000"/>
-                </a:solidFill>
-              </a:rPr>
-              <a:t>VS Code : Debugger for Chrome </a:t>
-            </a:r>
-            <a:r>
-              <a:rPr lang="ko-KR" altLang="en-US" sz="1400" dirty="0" smtClean="0">
-                <a:solidFill>
-                  <a:srgbClr val="FF0000"/>
-                </a:solidFill>
-              </a:rPr>
-              <a:t>설치</a:t>
-            </a:r>
-            <a:endParaRPr lang="en-US" altLang="ko-KR" sz="1400" dirty="0" smtClean="0">
-              <a:solidFill>
-                <a:srgbClr val="FF0000"/>
+              <a:rPr lang="en-US" altLang="ko-KR" sz="1400" strike="sngStrike" dirty="0" smtClean="0">
+                <a:solidFill>
+                  <a:schemeClr val="tx1">
+                    <a:lumMod val="50000"/>
+                    <a:lumOff val="50000"/>
+                  </a:schemeClr>
+                </a:solidFill>
+              </a:rPr>
+              <a:t>VS </a:t>
+            </a:r>
+            <a:r>
+              <a:rPr lang="en-US" altLang="ko-KR" sz="1400" strike="sngStrike" dirty="0" smtClean="0">
+                <a:solidFill>
+                  <a:schemeClr val="tx1">
+                    <a:lumMod val="50000"/>
+                    <a:lumOff val="50000"/>
+                  </a:schemeClr>
+                </a:solidFill>
+              </a:rPr>
+              <a:t>Code : Debugger for Chrome </a:t>
+            </a:r>
+            <a:r>
+              <a:rPr lang="ko-KR" altLang="en-US" sz="1400" strike="sngStrike" dirty="0" smtClean="0">
+                <a:solidFill>
+                  <a:schemeClr val="tx1">
+                    <a:lumMod val="50000"/>
+                    <a:lumOff val="50000"/>
+                  </a:schemeClr>
+                </a:solidFill>
+              </a:rPr>
+              <a:t>설치 </a:t>
+            </a:r>
+            <a:r>
+              <a:rPr lang="en-US" altLang="ko-KR" sz="1400" strike="sngStrike" dirty="0" smtClean="0">
+                <a:solidFill>
+                  <a:schemeClr val="tx1">
+                    <a:lumMod val="50000"/>
+                    <a:lumOff val="50000"/>
+                  </a:schemeClr>
+                </a:solidFill>
+              </a:rPr>
+              <a:t>(</a:t>
+            </a:r>
+            <a:r>
+              <a:rPr lang="en-US" altLang="ko-KR" sz="1400" strike="sngStrike" dirty="0" smtClean="0">
+                <a:solidFill>
+                  <a:schemeClr val="tx1">
+                    <a:lumMod val="50000"/>
+                    <a:lumOff val="50000"/>
+                  </a:schemeClr>
+                </a:solidFill>
+              </a:rPr>
+              <a:t>deprecated)</a:t>
+            </a:r>
+            <a:endParaRPr lang="en-US" altLang="ko-KR" sz="1400" strike="sngStrike" dirty="0" smtClean="0">
+              <a:solidFill>
+                <a:schemeClr val="tx1">
+                  <a:lumMod val="50000"/>
+                  <a:lumOff val="50000"/>
+                </a:schemeClr>
               </a:solidFill>
             </a:endParaRPr>
           </a:p>
@@ -9541,7 +10116,7 @@
               <a:rPr lang="en-US" altLang="ko-KR" sz="1400" dirty="0" err="1" smtClean="0"/>
               <a:t>dir</a:t>
             </a:r>
-            <a:endParaRPr lang="en-US" altLang="ko-KR" sz="1400" dirty="0"/>
+            <a:endParaRPr lang="en-US" altLang="ko-KR" sz="1400" dirty="0" smtClean="0"/>
           </a:p>
           <a:p>
             <a:pPr marL="742950" lvl="1" indent="-285750" latinLnBrk="0">
@@ -9553,12 +10128,9 @@
             </a:pPr>
             <a:r>
               <a:rPr lang="en-US" altLang="ko-KR" sz="1400" dirty="0" smtClean="0"/>
-              <a:t>cd </a:t>
-            </a:r>
-            <a:r>
-              <a:rPr lang="en-US" altLang="ko-KR" sz="1400" dirty="0"/>
-              <a:t>hello-world</a:t>
-            </a:r>
+              <a:t>cd project-name</a:t>
+            </a:r>
+            <a:endParaRPr lang="en-US" altLang="ko-KR" sz="1400" dirty="0"/>
           </a:p>
           <a:p>
             <a:pPr marL="742950" lvl="1" indent="-285750" latinLnBrk="0">
@@ -9581,8 +10153,8 @@
               <a:t> </a:t>
             </a:r>
             <a:r>
-              <a:rPr lang="en-US" altLang="ko-KR" sz="1400" dirty="0"/>
-              <a:t>start</a:t>
+              <a:rPr lang="en-US" altLang="ko-KR" sz="1400" dirty="0" smtClean="0"/>
+              <a:t>start or yarn start</a:t>
             </a:r>
           </a:p>
           <a:p>
@@ -9595,21 +10167,9 @@
             </a:pPr>
             <a:r>
               <a:rPr lang="en-US" altLang="ko-KR" sz="1400" dirty="0" smtClean="0"/>
-              <a:t>yarn start</a:t>
-            </a:r>
-          </a:p>
-          <a:p>
-            <a:pPr marL="742950" lvl="1" indent="-285750" latinLnBrk="0">
-              <a:lnSpc>
-                <a:spcPct val="150000"/>
-              </a:lnSpc>
-              <a:buFont typeface="Arial" panose="020B0604020202020204" pitchFamily="34" charset="0"/>
-              <a:buChar char="•"/>
-            </a:pPr>
-            <a:r>
-              <a:rPr lang="en-US" altLang="ko-KR" sz="1400" dirty="0"/>
-              <a:t>code .</a:t>
-            </a:r>
+              <a:t>code . (Go to editor)</a:t>
+            </a:r>
+            <a:endParaRPr lang="en-US" altLang="ko-KR" sz="1400" dirty="0" smtClean="0"/>
           </a:p>
           <a:p>
             <a:pPr marL="742950" lvl="1" indent="-285750" latinLnBrk="0">
